--- a/04 - PO/UML/2.Exo Concepts_objet v2.0.0 ST 1.pptx
+++ b/04 - PO/UML/2.Exo Concepts_objet v2.0.0 ST 1.pptx
@@ -218,7 +218,7 @@
           <a:p>
             <a:fld id="{F62C5F44-AB4C-4688-9925-29BB1D5B8698}" type="datetimeFigureOut">
               <a:rPr lang="fr-FR" smtClean="0"/>
-              <a:t>29/01/2025</a:t>
+              <a:t>30/01/2025</a:t>
             </a:fld>
             <a:endParaRPr lang="fr-FR"/>
           </a:p>
@@ -622,7 +622,7 @@
           <a:p>
             <a:fld id="{9BBF1833-3A8A-4231-A846-52721BE906F9}" type="datetime1">
               <a:rPr lang="fr-FR" smtClean="0"/>
-              <a:t>29/01/2025</a:t>
+              <a:t>30/01/2025</a:t>
             </a:fld>
             <a:endParaRPr lang="fr-FR"/>
           </a:p>
@@ -1491,7 +1491,7 @@
           <a:p>
             <a:fld id="{CCB0DE98-6AF6-4B3C-AEA2-C5CD8D3B0572}" type="datetime1">
               <a:rPr lang="fr-FR" smtClean="0"/>
-              <a:t>29/01/2025</a:t>
+              <a:t>30/01/2025</a:t>
             </a:fld>
             <a:endParaRPr lang="fr-FR"/>
           </a:p>
@@ -1666,7 +1666,7 @@
           <a:p>
             <a:fld id="{1246A9CB-5746-4BE5-8206-186F15CE2AAA}" type="datetime1">
               <a:rPr lang="fr-FR" smtClean="0"/>
-              <a:t>29/01/2025</a:t>
+              <a:t>30/01/2025</a:t>
             </a:fld>
             <a:endParaRPr lang="fr-FR"/>
           </a:p>
@@ -1836,7 +1836,7 @@
           <a:p>
             <a:fld id="{2EB992A3-0A50-4805-BE4A-A64E2B661F7A}" type="datetime1">
               <a:rPr lang="fr-FR" smtClean="0"/>
-              <a:t>29/01/2025</a:t>
+              <a:t>30/01/2025</a:t>
             </a:fld>
             <a:endParaRPr lang="fr-FR"/>
           </a:p>
@@ -2046,7 +2046,7 @@
           <a:p>
             <a:fld id="{7FE902B5-1AC1-47BF-B3C7-5AAEEE8C3428}" type="datetime1">
               <a:rPr lang="fr-FR" smtClean="0"/>
-              <a:t>29/01/2025</a:t>
+              <a:t>30/01/2025</a:t>
             </a:fld>
             <a:endParaRPr lang="fr-FR"/>
           </a:p>
@@ -2860,7 +2860,7 @@
           <a:p>
             <a:fld id="{B5B608CA-BC4B-4F83-B15D-2816142EE5C1}" type="datetime1">
               <a:rPr lang="fr-FR" smtClean="0"/>
-              <a:t>29/01/2025</a:t>
+              <a:t>30/01/2025</a:t>
             </a:fld>
             <a:endParaRPr lang="fr-FR"/>
           </a:p>
@@ -3096,7 +3096,7 @@
           <a:p>
             <a:fld id="{EC673B2D-7E57-43A1-A6C5-5339D9A54890}" type="datetime1">
               <a:rPr lang="fr-FR" smtClean="0"/>
-              <a:t>29/01/2025</a:t>
+              <a:t>30/01/2025</a:t>
             </a:fld>
             <a:endParaRPr lang="fr-FR"/>
           </a:p>
@@ -3419,7 +3419,7 @@
           <a:p>
             <a:fld id="{9EA6F703-6A6A-4476-AD1C-241AF7CEACE4}" type="datetime1">
               <a:rPr lang="fr-FR" smtClean="0"/>
-              <a:t>29/01/2025</a:t>
+              <a:t>30/01/2025</a:t>
             </a:fld>
             <a:endParaRPr lang="fr-FR"/>
           </a:p>
@@ -3509,7 +3509,7 @@
           <a:p>
             <a:fld id="{5B467739-00ED-4676-88C5-C5449B896610}" type="datetime1">
               <a:rPr lang="fr-FR" smtClean="0"/>
-              <a:t>29/01/2025</a:t>
+              <a:t>30/01/2025</a:t>
             </a:fld>
             <a:endParaRPr lang="fr-FR"/>
           </a:p>
@@ -4026,7 +4026,7 @@
           <a:p>
             <a:fld id="{492A6089-F339-403A-AE19-EAB54C531A53}" type="datetime1">
               <a:rPr lang="fr-FR" smtClean="0"/>
-              <a:t>29/01/2025</a:t>
+              <a:t>30/01/2025</a:t>
             </a:fld>
             <a:endParaRPr lang="fr-FR"/>
           </a:p>
@@ -4537,7 +4537,7 @@
           <a:p>
             <a:fld id="{DEBAD15E-5AB6-4023-9977-5A96385E704B}" type="datetime1">
               <a:rPr lang="fr-FR" smtClean="0"/>
-              <a:t>29/01/2025</a:t>
+              <a:t>30/01/2025</a:t>
             </a:fld>
             <a:endParaRPr lang="fr-FR"/>
           </a:p>
@@ -4782,7 +4782,7 @@
           <a:p>
             <a:fld id="{0C79A97D-61B1-4F60-8CB1-E0893F2F0CED}" type="datetime1">
               <a:rPr lang="fr-FR" smtClean="0"/>
-              <a:t>29/01/2025</a:t>
+              <a:t>30/01/2025</a:t>
             </a:fld>
             <a:endParaRPr lang="fr-FR"/>
           </a:p>
@@ -5695,19 +5695,7 @@
               <a:rPr lang="fr-FR" altLang="fr-FR" dirty="0">
                 <a:latin typeface="Verdana" pitchFamily="34" charset="0"/>
               </a:rPr>
-              <a:t>Réalisez le diagramme de classe. Et avec le document  Traduire UML en </a:t>
-            </a:r>
-            <a:r>
-              <a:rPr lang="fr-FR" altLang="fr-FR" dirty="0" err="1">
-                <a:latin typeface="Verdana" pitchFamily="34" charset="0"/>
-              </a:rPr>
-              <a:t>CSharp</a:t>
-            </a:r>
-            <a:r>
-              <a:rPr lang="fr-FR" altLang="fr-FR" dirty="0">
-                <a:latin typeface="Verdana" pitchFamily="34" charset="0"/>
-              </a:rPr>
-              <a:t> ou Java v1.0.0 ST, réalisez l’implémentation.</a:t>
+              <a:t>Réalisez le diagramme de classe. Et avec le document  Traduire UML en C# ou Java v1.0.0 ST, réalisez l’implémentation.</a:t>
             </a:r>
           </a:p>
           <a:p>
@@ -6179,15 +6167,7 @@
           <a:p>
             <a:r>
               <a:rPr lang="fr-FR" dirty="0"/>
-              <a:t>Implémentez cette Bouteille, en utilisant le document  Traduire UML en </a:t>
-            </a:r>
-            <a:r>
-              <a:rPr lang="fr-FR" dirty="0" err="1"/>
-              <a:t>CSharp</a:t>
-            </a:r>
-            <a:r>
-              <a:rPr lang="fr-FR" dirty="0"/>
-              <a:t> ou Java.</a:t>
+              <a:t>Implémentez cette Bouteille, en utilisant le document  Traduire UML en C# ou Java.</a:t>
             </a:r>
           </a:p>
           <a:p>
@@ -7080,15 +7060,7 @@
           <a:p>
             <a:r>
               <a:rPr lang="fr-FR" dirty="0"/>
-              <a:t>Généraliser pour permettre de faire des tartes aux fraises, aux poires, aux </a:t>
-            </a:r>
-            <a:r>
-              <a:rPr lang="fr-FR" dirty="0" err="1"/>
-              <a:t>quetches</a:t>
-            </a:r>
-            <a:r>
-              <a:rPr lang="fr-FR" dirty="0"/>
-              <a:t>… aux fruits, brefs!</a:t>
+              <a:t>Généraliser pour permettre de faire des tartes aux fraises, aux poires, aux quetsches… aux fruits, brefs!</a:t>
             </a:r>
           </a:p>
         </p:txBody>
@@ -7227,21 +7199,8 @@
           <a:p>
             <a:r>
               <a:rPr lang="fr-FR" dirty="0"/>
-              <a:t>Exercice association, </a:t>
-            </a:r>
-            <a:r>
-              <a:rPr lang="fr-FR" dirty="0" err="1"/>
-              <a:t>aggregation</a:t>
-            </a:r>
-            <a:r>
-              <a:rPr lang="fr-FR" dirty="0"/>
-              <a:t> et </a:t>
-            </a:r>
-            <a:r>
-              <a:rPr lang="fr-FR" dirty="0" err="1"/>
-              <a:t>heritage</a:t>
-            </a:r>
-            <a:endParaRPr lang="fr-FR" dirty="0"/>
+              <a:t>Exercice association, agrégation et héritage</a:t>
+            </a:r>
           </a:p>
         </p:txBody>
       </p:sp>
@@ -8162,15 +8121,6 @@
 </file>
 
 <file path=customXml/item2.xml><?xml version="1.0" encoding="utf-8"?>
-<?mso-contentType ?>
-<FormTemplates xmlns="http://schemas.microsoft.com/sharepoint/v3/contenttype/forms">
-  <Display>DocumentLibraryForm</Display>
-  <Edit>DocumentLibraryForm</Edit>
-  <New>DocumentLibraryForm</New>
-</FormTemplates>
-</file>
-
-<file path=customXml/item3.xml><?xml version="1.0" encoding="utf-8"?>
 <p:properties xmlns:p="http://schemas.microsoft.com/office/2006/metadata/properties" xmlns:xsi="http://www.w3.org/2001/XMLSchema-instance" xmlns:pc="http://schemas.microsoft.com/office/infopath/2007/PartnerControls">
   <documentManagement>
     <TaxCatchAll xmlns="66eaceda-cbf3-468d-8b56-0d06245bcac2" xsi:nil="true"/>
@@ -8181,29 +8131,55 @@
 </p:properties>
 </file>
 
+<file path=customXml/item3.xml><?xml version="1.0" encoding="utf-8"?>
+<?mso-contentType ?>
+<FormTemplates xmlns="http://schemas.microsoft.com/sharepoint/v3/contenttype/forms">
+  <Display>DocumentLibraryForm</Display>
+  <Edit>DocumentLibraryForm</Edit>
+  <New>DocumentLibraryForm</New>
+</FormTemplates>
+</file>
+
 <file path=customXml/itemProps1.xml><?xml version="1.0" encoding="utf-8"?>
-<ds:datastoreItem xmlns:ds="http://schemas.openxmlformats.org/officeDocument/2006/customXml" ds:itemID="{A953100A-7875-4DA8-AA08-65551553DD10}"/>
+<ds:datastoreItem xmlns:ds="http://schemas.openxmlformats.org/officeDocument/2006/customXml" ds:itemID="{A953100A-7875-4DA8-AA08-65551553DD10}">
+  <ds:schemaRefs>
+    <ds:schemaRef ds:uri="http://schemas.microsoft.com/office/2006/metadata/contentType"/>
+    <ds:schemaRef ds:uri="http://schemas.microsoft.com/office/2006/metadata/properties/metaAttributes"/>
+    <ds:schemaRef ds:uri="http://www.w3.org/2001/XMLSchema"/>
+    <ds:schemaRef ds:uri="http://schemas.microsoft.com/office/2006/metadata/properties"/>
+    <ds:schemaRef ds:uri="6080a0f0-b892-4d13-a236-ec5452db6204"/>
+    <ds:schemaRef ds:uri="66eaceda-cbf3-468d-8b56-0d06245bcac2"/>
+    <ds:schemaRef ds:uri="http://schemas.microsoft.com/office/2006/documentManagement/types"/>
+    <ds:schemaRef ds:uri="http://schemas.microsoft.com/office/infopath/2007/PartnerControls"/>
+    <ds:schemaRef ds:uri="http://schemas.openxmlformats.org/package/2006/metadata/core-properties"/>
+    <ds:schemaRef ds:uri="http://purl.org/dc/elements/1.1/"/>
+    <ds:schemaRef ds:uri="http://purl.org/dc/terms/"/>
+    <ds:schemaRef ds:uri="http://schemas.microsoft.com/internal/obd"/>
+  </ds:schemaRefs>
+</ds:datastoreItem>
 </file>
 
 <file path=customXml/itemProps2.xml><?xml version="1.0" encoding="utf-8"?>
+<ds:datastoreItem xmlns:ds="http://schemas.openxmlformats.org/officeDocument/2006/customXml" ds:itemID="{522E0A34-5B50-4521-93C8-E6E70B02C3BE}">
+  <ds:schemaRefs>
+    <ds:schemaRef ds:uri="http://purl.org/dc/dcmitype/"/>
+    <ds:schemaRef ds:uri="http://www.w3.org/XML/1998/namespace"/>
+    <ds:schemaRef ds:uri="66eaceda-cbf3-468d-8b56-0d06245bcac2"/>
+    <ds:schemaRef ds:uri="http://purl.org/dc/elements/1.1/"/>
+    <ds:schemaRef ds:uri="6080a0f0-b892-4d13-a236-ec5452db6204"/>
+    <ds:schemaRef ds:uri="http://schemas.microsoft.com/office/2006/documentManagement/types"/>
+    <ds:schemaRef ds:uri="http://purl.org/dc/terms/"/>
+    <ds:schemaRef ds:uri="http://schemas.microsoft.com/office/infopath/2007/PartnerControls"/>
+    <ds:schemaRef ds:uri="http://schemas.openxmlformats.org/package/2006/metadata/core-properties"/>
+    <ds:schemaRef ds:uri="http://schemas.microsoft.com/office/2006/metadata/properties"/>
+  </ds:schemaRefs>
+</ds:datastoreItem>
+</file>
+
+<file path=customXml/itemProps3.xml><?xml version="1.0" encoding="utf-8"?>
 <ds:datastoreItem xmlns:ds="http://schemas.openxmlformats.org/officeDocument/2006/customXml" ds:itemID="{C5CDABA0-D9C7-4F1A-8DDC-83A91FC9E103}">
   <ds:schemaRefs>
     <ds:schemaRef ds:uri="http://schemas.microsoft.com/sharepoint/v3/contenttype/forms"/>
   </ds:schemaRefs>
 </ds:datastoreItem>
-</file>
-
-<file path=customXml/itemProps3.xml><?xml version="1.0" encoding="utf-8"?>
-<ds:datastoreItem xmlns:ds="http://schemas.openxmlformats.org/officeDocument/2006/customXml" ds:itemID="{522E0A34-5B50-4521-93C8-E6E70B02C3BE}">
-  <ds:schemaRefs>
-    <ds:schemaRef ds:uri="http://schemas.microsoft.com/office/2006/metadata/properties"/>
-    <ds:schemaRef ds:uri="http://purl.org/dc/dcmitype/"/>
-    <ds:schemaRef ds:uri="http://purl.org/dc/terms/"/>
-    <ds:schemaRef ds:uri="http://schemas.microsoft.com/office/2006/documentManagement/types"/>
-    <ds:schemaRef ds:uri="http://purl.org/dc/elements/1.1/"/>
-    <ds:schemaRef ds:uri="http://schemas.microsoft.com/office/infopath/2007/PartnerControls"/>
-    <ds:schemaRef ds:uri="http://schemas.openxmlformats.org/package/2006/metadata/core-properties"/>
-    <ds:schemaRef ds:uri="http://www.w3.org/XML/1998/namespace"/>
-  </ds:schemaRefs>
-</ds:datastoreItem>
 </file>
--- a/04 - PO/UML/2.Exo Concepts_objet v2.0.0 ST 1.pptx
+++ b/04 - PO/UML/2.Exo Concepts_objet v2.0.0 ST 1.pptx
@@ -218,7 +218,7 @@
           <a:p>
             <a:fld id="{F62C5F44-AB4C-4688-9925-29BB1D5B8698}" type="datetimeFigureOut">
               <a:rPr lang="fr-FR" smtClean="0"/>
-              <a:t>30/01/2025</a:t>
+              <a:t>02/02/2025</a:t>
             </a:fld>
             <a:endParaRPr lang="fr-FR"/>
           </a:p>
@@ -622,7 +622,7 @@
           <a:p>
             <a:fld id="{9BBF1833-3A8A-4231-A846-52721BE906F9}" type="datetime1">
               <a:rPr lang="fr-FR" smtClean="0"/>
-              <a:t>30/01/2025</a:t>
+              <a:t>02/02/2025</a:t>
             </a:fld>
             <a:endParaRPr lang="fr-FR"/>
           </a:p>
@@ -1491,7 +1491,7 @@
           <a:p>
             <a:fld id="{CCB0DE98-6AF6-4B3C-AEA2-C5CD8D3B0572}" type="datetime1">
               <a:rPr lang="fr-FR" smtClean="0"/>
-              <a:t>30/01/2025</a:t>
+              <a:t>02/02/2025</a:t>
             </a:fld>
             <a:endParaRPr lang="fr-FR"/>
           </a:p>
@@ -1666,7 +1666,7 @@
           <a:p>
             <a:fld id="{1246A9CB-5746-4BE5-8206-186F15CE2AAA}" type="datetime1">
               <a:rPr lang="fr-FR" smtClean="0"/>
-              <a:t>30/01/2025</a:t>
+              <a:t>02/02/2025</a:t>
             </a:fld>
             <a:endParaRPr lang="fr-FR"/>
           </a:p>
@@ -1836,7 +1836,7 @@
           <a:p>
             <a:fld id="{2EB992A3-0A50-4805-BE4A-A64E2B661F7A}" type="datetime1">
               <a:rPr lang="fr-FR" smtClean="0"/>
-              <a:t>30/01/2025</a:t>
+              <a:t>02/02/2025</a:t>
             </a:fld>
             <a:endParaRPr lang="fr-FR"/>
           </a:p>
@@ -2046,7 +2046,7 @@
           <a:p>
             <a:fld id="{7FE902B5-1AC1-47BF-B3C7-5AAEEE8C3428}" type="datetime1">
               <a:rPr lang="fr-FR" smtClean="0"/>
-              <a:t>30/01/2025</a:t>
+              <a:t>02/02/2025</a:t>
             </a:fld>
             <a:endParaRPr lang="fr-FR"/>
           </a:p>
@@ -2860,7 +2860,7 @@
           <a:p>
             <a:fld id="{B5B608CA-BC4B-4F83-B15D-2816142EE5C1}" type="datetime1">
               <a:rPr lang="fr-FR" smtClean="0"/>
-              <a:t>30/01/2025</a:t>
+              <a:t>02/02/2025</a:t>
             </a:fld>
             <a:endParaRPr lang="fr-FR"/>
           </a:p>
@@ -3096,7 +3096,7 @@
           <a:p>
             <a:fld id="{EC673B2D-7E57-43A1-A6C5-5339D9A54890}" type="datetime1">
               <a:rPr lang="fr-FR" smtClean="0"/>
-              <a:t>30/01/2025</a:t>
+              <a:t>02/02/2025</a:t>
             </a:fld>
             <a:endParaRPr lang="fr-FR"/>
           </a:p>
@@ -3419,7 +3419,7 @@
           <a:p>
             <a:fld id="{9EA6F703-6A6A-4476-AD1C-241AF7CEACE4}" type="datetime1">
               <a:rPr lang="fr-FR" smtClean="0"/>
-              <a:t>30/01/2025</a:t>
+              <a:t>02/02/2025</a:t>
             </a:fld>
             <a:endParaRPr lang="fr-FR"/>
           </a:p>
@@ -3509,7 +3509,7 @@
           <a:p>
             <a:fld id="{5B467739-00ED-4676-88C5-C5449B896610}" type="datetime1">
               <a:rPr lang="fr-FR" smtClean="0"/>
-              <a:t>30/01/2025</a:t>
+              <a:t>02/02/2025</a:t>
             </a:fld>
             <a:endParaRPr lang="fr-FR"/>
           </a:p>
@@ -4026,7 +4026,7 @@
           <a:p>
             <a:fld id="{492A6089-F339-403A-AE19-EAB54C531A53}" type="datetime1">
               <a:rPr lang="fr-FR" smtClean="0"/>
-              <a:t>30/01/2025</a:t>
+              <a:t>02/02/2025</a:t>
             </a:fld>
             <a:endParaRPr lang="fr-FR"/>
           </a:p>
@@ -4537,7 +4537,7 @@
           <a:p>
             <a:fld id="{DEBAD15E-5AB6-4023-9977-5A96385E704B}" type="datetime1">
               <a:rPr lang="fr-FR" smtClean="0"/>
-              <a:t>30/01/2025</a:t>
+              <a:t>02/02/2025</a:t>
             </a:fld>
             <a:endParaRPr lang="fr-FR"/>
           </a:p>
@@ -4782,7 +4782,7 @@
           <a:p>
             <a:fld id="{0C79A97D-61B1-4F60-8CB1-E0893F2F0CED}" type="datetime1">
               <a:rPr lang="fr-FR" smtClean="0"/>
-              <a:t>30/01/2025</a:t>
+              <a:t>02/02/2025</a:t>
             </a:fld>
             <a:endParaRPr lang="fr-FR"/>
           </a:p>
@@ -5888,7 +5888,9 @@
         </p:nvSpPr>
         <p:spPr/>
         <p:txBody>
-          <a:bodyPr/>
+          <a:bodyPr>
+            <a:normAutofit fontScale="90000"/>
+          </a:bodyPr>
           <a:lstStyle/>
           <a:p>
             <a:r>
@@ -6317,7 +6319,7 @@
         <p:spPr/>
         <p:txBody>
           <a:bodyPr>
-            <a:normAutofit fontScale="85000" lnSpcReduction="20000"/>
+            <a:normAutofit fontScale="77500" lnSpcReduction="20000"/>
           </a:bodyPr>
           <a:lstStyle/>
           <a:p>
@@ -6617,7 +6619,7 @@
         </p:blipFill>
         <p:spPr bwMode="auto">
           <a:xfrm>
-            <a:off x="4932040" y="3015261"/>
+            <a:off x="4726854" y="3217390"/>
             <a:ext cx="2992760" cy="3439124"/>
           </a:xfrm>
           <a:prstGeom prst="rect">
@@ -7060,8 +7062,13 @@
           <a:p>
             <a:r>
               <a:rPr lang="fr-FR" dirty="0"/>
-              <a:t>Généraliser pour permettre de faire des tartes aux fraises, aux poires, aux quetsches… aux fruits, brefs!</a:t>
-            </a:r>
+              <a:t>Généraliser pour permettre de faire des tartes aux fraises, aux poires, aux quetsches… aux fruits</a:t>
+            </a:r>
+            <a:r>
+              <a:rPr lang="fr-FR"/>
+              <a:t>, bref !</a:t>
+            </a:r>
+            <a:endParaRPr lang="fr-FR" dirty="0"/>
           </a:p>
         </p:txBody>
       </p:sp>
